--- a/Report002_Presentation.pptx
+++ b/Report002_Presentation.pptx
@@ -27,6 +27,7 @@
     <p:sldId id="265" r:id="rId22"/>
     <p:sldId id="266" r:id="rId23"/>
     <p:sldId id="267" r:id="rId24"/>
+    <p:sldId id="268" r:id="rId25"/>
   </p:sldIdLst>
   <p:sldSz cx="9144000" cy="6858000"/>
   <p:notesSz cx="7772400" cy="10058400"/>
@@ -63,7 +64,7 @@
         <p:spPr>
           <a:xfrm>
             <a:off x="457200" y="274680"/>
-            <a:ext cx="8228880" cy="1142280"/>
+            <a:ext cx="8228520" cy="1141920"/>
           </a:xfrm>
           <a:prstGeom prst="rect">
             <a:avLst/>
@@ -103,7 +104,7 @@
         <p:spPr>
           <a:xfrm>
             <a:off x="457200" y="1600200"/>
-            <a:ext cx="8228880" cy="4525200"/>
+            <a:ext cx="8228520" cy="4524840"/>
           </a:xfrm>
           <a:prstGeom prst="rect">
             <a:avLst/>
@@ -164,7 +165,7 @@
         <p:txBody>
           <a:bodyPr/>
           <a:p>
-            <a:fld id="{4852618F-8330-4FFE-B05D-7DEA8FBD2D75}" type="slidenum">
+            <a:fld id="{8FCBAD0D-4C5E-4823-904F-DBB3ECE87C4E}" type="slidenum">
               <a:t>&lt;#&gt;</a:t>
             </a:fld>
           </a:p>
@@ -247,7 +248,7 @@
         <p:txBody>
           <a:bodyPr/>
           <a:p>
-            <a:fld id="{07ADF618-E9D1-4079-83CF-62454FA2B687}" type="slidenum">
+            <a:fld id="{FD475CBD-CD0C-47CB-A5F1-50C3618F0ADB}" type="slidenum">
               <a:t>&lt;#&gt;</a:t>
             </a:fld>
           </a:p>
@@ -330,7 +331,7 @@
         <p:txBody>
           <a:bodyPr/>
           <a:p>
-            <a:fld id="{190398BE-B98D-4CDD-89CB-87CBB8369E58}" type="slidenum">
+            <a:fld id="{A33390E4-E5A9-4A4E-B82F-ED4F322CF4D6}" type="slidenum">
               <a:t>&lt;#&gt;</a:t>
             </a:fld>
           </a:p>
@@ -413,7 +414,7 @@
         <p:txBody>
           <a:bodyPr/>
           <a:p>
-            <a:fld id="{A257C4D2-D8AC-440B-AA74-CEA3C355F9B5}" type="slidenum">
+            <a:fld id="{833F7777-C4BD-4AB1-A5C7-293A8420A7E7}" type="slidenum">
               <a:t>&lt;#&gt;</a:t>
             </a:fld>
           </a:p>
@@ -496,7 +497,7 @@
         <p:txBody>
           <a:bodyPr/>
           <a:p>
-            <a:fld id="{5D6F303C-5098-4CDD-A8EF-8289804E5C74}" type="slidenum">
+            <a:fld id="{CA48FB86-E2F2-4C86-9285-DB0A631A7BBE}" type="slidenum">
               <a:t>&lt;#&gt;</a:t>
             </a:fld>
           </a:p>
@@ -558,7 +559,7 @@
         <p:spPr>
           <a:xfrm>
             <a:off x="457200" y="274680"/>
-            <a:ext cx="8228880" cy="1142280"/>
+            <a:ext cx="8228520" cy="1141920"/>
           </a:xfrm>
           <a:prstGeom prst="rect">
             <a:avLst/>
@@ -598,7 +599,7 @@
         <p:spPr>
           <a:xfrm>
             <a:off x="457200" y="1600200"/>
-            <a:ext cx="8228880" cy="4525200"/>
+            <a:ext cx="8228520" cy="4524840"/>
           </a:xfrm>
           <a:prstGeom prst="rect">
             <a:avLst/>
@@ -662,7 +663,7 @@
         <p:txBody>
           <a:bodyPr/>
           <a:p>
-            <a:fld id="{CF275EF6-E75A-469D-84CA-55225B11AA41}" type="slidenum">
+            <a:fld id="{58B9348B-2CD1-4A1D-BC7A-E674E5A45781}" type="slidenum">
               <a:t>&lt;#&gt;</a:t>
             </a:fld>
           </a:p>
@@ -745,7 +746,7 @@
         <p:txBody>
           <a:bodyPr/>
           <a:p>
-            <a:fld id="{562A0A31-CD04-4B98-9776-FC77897C821C}" type="slidenum">
+            <a:fld id="{EAFE4CE0-7435-4807-AED6-EFE7D4C922C2}" type="slidenum">
               <a:t>&lt;#&gt;</a:t>
             </a:fld>
           </a:p>
@@ -807,7 +808,7 @@
         <p:spPr>
           <a:xfrm>
             <a:off x="457200" y="274680"/>
-            <a:ext cx="8228880" cy="1142280"/>
+            <a:ext cx="8228520" cy="1141920"/>
           </a:xfrm>
           <a:prstGeom prst="rect">
             <a:avLst/>
@@ -847,7 +848,7 @@
         <p:spPr>
           <a:xfrm>
             <a:off x="457200" y="1600200"/>
-            <a:ext cx="4015440" cy="4525200"/>
+            <a:ext cx="4015440" cy="4524840"/>
           </a:xfrm>
           <a:prstGeom prst="rect">
             <a:avLst/>
@@ -890,7 +891,7 @@
         <p:spPr>
           <a:xfrm>
             <a:off x="4673880" y="1600200"/>
-            <a:ext cx="4015440" cy="4525200"/>
+            <a:ext cx="4015440" cy="4524840"/>
           </a:xfrm>
           <a:prstGeom prst="rect">
             <a:avLst/>
@@ -954,7 +955,7 @@
         <p:txBody>
           <a:bodyPr/>
           <a:p>
-            <a:fld id="{BBD4B2E0-B9FB-450D-BA32-52DF8373E4C2}" type="slidenum">
+            <a:fld id="{A331FEC8-1758-43A2-A99E-F44533CD3BCE}" type="slidenum">
               <a:t>&lt;#&gt;</a:t>
             </a:fld>
           </a:p>
@@ -1037,7 +1038,7 @@
         <p:txBody>
           <a:bodyPr/>
           <a:p>
-            <a:fld id="{6B72C001-5327-404D-94B0-59FA76B4A763}" type="slidenum">
+            <a:fld id="{54ED390D-3BA3-4250-88E1-EB216856E179}" type="slidenum">
               <a:t>&lt;#&gt;</a:t>
             </a:fld>
           </a:p>
@@ -1099,7 +1100,7 @@
         <p:spPr>
           <a:xfrm>
             <a:off x="457200" y="274680"/>
-            <a:ext cx="8228880" cy="1142280"/>
+            <a:ext cx="8228520" cy="1141920"/>
           </a:xfrm>
           <a:prstGeom prst="rect">
             <a:avLst/>
@@ -1160,7 +1161,7 @@
         <p:txBody>
           <a:bodyPr/>
           <a:p>
-            <a:fld id="{EFBC521B-0056-4E92-A5F1-B4742E7D8AB5}" type="slidenum">
+            <a:fld id="{8E9CB682-A3F6-4D60-8D50-73670CFBD1CB}" type="slidenum">
               <a:t>&lt;#&gt;</a:t>
             </a:fld>
           </a:p>
@@ -1243,7 +1244,7 @@
         <p:txBody>
           <a:bodyPr/>
           <a:p>
-            <a:fld id="{86B9FD13-1122-4286-913A-98F418C54B7D}" type="slidenum">
+            <a:fld id="{51093AD4-4AEC-42AF-9934-BE70D38D1868}" type="slidenum">
               <a:t>&lt;#&gt;</a:t>
             </a:fld>
           </a:p>
@@ -1312,7 +1313,7 @@
         <p:spPr>
           <a:xfrm>
             <a:off x="457200" y="274680"/>
-            <a:ext cx="8228880" cy="1142280"/>
+            <a:ext cx="8228520" cy="1141920"/>
           </a:xfrm>
           <a:prstGeom prst="rect">
             <a:avLst/>
@@ -1361,7 +1362,7 @@
         <p:spPr>
           <a:xfrm>
             <a:off x="3124080" y="6356520"/>
-            <a:ext cx="2894760" cy="364320"/>
+            <a:ext cx="2894400" cy="363960"/>
           </a:xfrm>
           <a:prstGeom prst="rect">
             <a:avLst/>
@@ -1409,7 +1410,7 @@
                 </a:solidFill>
                 <a:latin typeface="Times New Roman"/>
               </a:rPr>
-              <a:t>&lt;footer&gt;</a:t>
+              <a:t> </a:t>
             </a:r>
             <a:endParaRPr b="0" lang="en-US" sz="1400" spc="-1" strike="noStrike">
               <a:solidFill>
@@ -1433,7 +1434,7 @@
         <p:spPr>
           <a:xfrm>
             <a:off x="6553080" y="6356520"/>
-            <a:ext cx="2133000" cy="364320"/>
+            <a:ext cx="2132640" cy="363960"/>
           </a:xfrm>
           <a:prstGeom prst="rect">
             <a:avLst/>
@@ -1476,7 +1477,7 @@
                 <a:tab algn="l" pos="0"/>
               </a:tabLst>
             </a:pPr>
-            <a:fld id="{E94A8BAC-7421-4558-8FA1-BD9329D8F037}" type="slidenum">
+            <a:fld id="{F7F18995-340A-4CCC-8CA0-36B1A258B1CF}" type="slidenum">
               <a:rPr b="0" lang="en-US" sz="1200" spc="-1" strike="noStrike">
                 <a:solidFill>
                   <a:schemeClr val="dk1">
@@ -1485,7 +1486,7 @@
                 </a:solidFill>
                 <a:latin typeface="Calibri"/>
               </a:rPr>
-              <a:t>&lt;number&gt;</a:t>
+              <a:t>5</a:t>
             </a:fld>
             <a:endParaRPr b="0" lang="en-US" sz="1200" spc="-1" strike="noStrike">
               <a:solidFill>
@@ -1509,7 +1510,7 @@
         <p:spPr>
           <a:xfrm>
             <a:off x="457200" y="6356520"/>
-            <a:ext cx="2133000" cy="364320"/>
+            <a:ext cx="2132640" cy="363960"/>
           </a:xfrm>
           <a:prstGeom prst="rect">
             <a:avLst/>
@@ -1545,7 +1546,7 @@
                 </a:solidFill>
                 <a:latin typeface="Times New Roman"/>
               </a:rPr>
-              <a:t>&lt;date/time&gt;</a:t>
+              <a:t> </a:t>
             </a:r>
             <a:endParaRPr b="0" lang="en-US" sz="1400" spc="-1" strike="noStrike">
               <a:solidFill>
@@ -1602,7 +1603,7 @@
         <p:spPr>
           <a:xfrm>
             <a:off x="3124080" y="6356520"/>
-            <a:ext cx="2894760" cy="364320"/>
+            <a:ext cx="2894400" cy="363960"/>
           </a:xfrm>
           <a:prstGeom prst="rect">
             <a:avLst/>
@@ -1674,7 +1675,7 @@
         <p:spPr>
           <a:xfrm>
             <a:off x="6553080" y="6356520"/>
-            <a:ext cx="2133000" cy="364320"/>
+            <a:ext cx="2132640" cy="363960"/>
           </a:xfrm>
           <a:prstGeom prst="rect">
             <a:avLst/>
@@ -1717,7 +1718,7 @@
                 <a:tab algn="l" pos="0"/>
               </a:tabLst>
             </a:pPr>
-            <a:fld id="{A29A542B-5738-4909-AA99-09A70BD336E9}" type="slidenum">
+            <a:fld id="{34722492-8CF1-45A5-8701-ED2150EDAF9D}" type="slidenum">
               <a:rPr b="0" lang="en-US" sz="1200" spc="-1" strike="noStrike">
                 <a:solidFill>
                   <a:schemeClr val="dk1">
@@ -1750,7 +1751,7 @@
         <p:spPr>
           <a:xfrm>
             <a:off x="457200" y="6356520"/>
-            <a:ext cx="2133000" cy="364320"/>
+            <a:ext cx="2132640" cy="363960"/>
           </a:xfrm>
           <a:prstGeom prst="rect">
             <a:avLst/>
@@ -1843,7 +1844,7 @@
         <p:spPr>
           <a:xfrm>
             <a:off x="3124080" y="6356520"/>
-            <a:ext cx="2894760" cy="364320"/>
+            <a:ext cx="2894400" cy="363960"/>
           </a:xfrm>
           <a:prstGeom prst="rect">
             <a:avLst/>
@@ -1915,7 +1916,7 @@
         <p:spPr>
           <a:xfrm>
             <a:off x="6553080" y="6356520"/>
-            <a:ext cx="2133000" cy="364320"/>
+            <a:ext cx="2132640" cy="363960"/>
           </a:xfrm>
           <a:prstGeom prst="rect">
             <a:avLst/>
@@ -1958,7 +1959,7 @@
                 <a:tab algn="l" pos="0"/>
               </a:tabLst>
             </a:pPr>
-            <a:fld id="{A25F4D07-FCBA-4C6C-A597-3CDCDB9B7AE1}" type="slidenum">
+            <a:fld id="{284ABD8F-D822-4D7E-9274-3D9A1A25EEBA}" type="slidenum">
               <a:rPr b="0" lang="en-US" sz="1200" spc="-1" strike="noStrike">
                 <a:solidFill>
                   <a:schemeClr val="dk1">
@@ -1991,7 +1992,7 @@
         <p:spPr>
           <a:xfrm>
             <a:off x="457200" y="6356520"/>
-            <a:ext cx="2133000" cy="364320"/>
+            <a:ext cx="2132640" cy="363960"/>
           </a:xfrm>
           <a:prstGeom prst="rect">
             <a:avLst/>
@@ -2084,7 +2085,7 @@
         <p:spPr>
           <a:xfrm>
             <a:off x="3124080" y="6356520"/>
-            <a:ext cx="2894760" cy="364320"/>
+            <a:ext cx="2894400" cy="363960"/>
           </a:xfrm>
           <a:prstGeom prst="rect">
             <a:avLst/>
@@ -2156,7 +2157,7 @@
         <p:spPr>
           <a:xfrm>
             <a:off x="6553080" y="6356520"/>
-            <a:ext cx="2133000" cy="364320"/>
+            <a:ext cx="2132640" cy="363960"/>
           </a:xfrm>
           <a:prstGeom prst="rect">
             <a:avLst/>
@@ -2199,7 +2200,7 @@
                 <a:tab algn="l" pos="0"/>
               </a:tabLst>
             </a:pPr>
-            <a:fld id="{59ACE49F-0B15-4364-A598-2DEA235082FC}" type="slidenum">
+            <a:fld id="{B499D634-7B46-401D-BB57-4CDAC060FEBF}" type="slidenum">
               <a:rPr b="0" lang="en-US" sz="1200" spc="-1" strike="noStrike">
                 <a:solidFill>
                   <a:schemeClr val="dk1">
@@ -2232,7 +2233,7 @@
         <p:spPr>
           <a:xfrm>
             <a:off x="457200" y="6356520"/>
-            <a:ext cx="2133000" cy="364320"/>
+            <a:ext cx="2132640" cy="363960"/>
           </a:xfrm>
           <a:prstGeom prst="rect">
             <a:avLst/>
@@ -2325,7 +2326,7 @@
         <p:spPr>
           <a:xfrm>
             <a:off x="3124080" y="6356520"/>
-            <a:ext cx="2894760" cy="364320"/>
+            <a:ext cx="2894400" cy="363960"/>
           </a:xfrm>
           <a:prstGeom prst="rect">
             <a:avLst/>
@@ -2397,7 +2398,7 @@
         <p:spPr>
           <a:xfrm>
             <a:off x="6553080" y="6356520"/>
-            <a:ext cx="2133000" cy="364320"/>
+            <a:ext cx="2132640" cy="363960"/>
           </a:xfrm>
           <a:prstGeom prst="rect">
             <a:avLst/>
@@ -2440,7 +2441,7 @@
                 <a:tab algn="l" pos="0"/>
               </a:tabLst>
             </a:pPr>
-            <a:fld id="{4A6B31DA-77D6-47C5-9615-92A4F9DDA8C6}" type="slidenum">
+            <a:fld id="{4777BC29-E2C2-4A77-AB1F-CAB8C3713B5A}" type="slidenum">
               <a:rPr b="0" lang="en-US" sz="1200" spc="-1" strike="noStrike">
                 <a:solidFill>
                   <a:schemeClr val="dk1">
@@ -2473,7 +2474,7 @@
         <p:spPr>
           <a:xfrm>
             <a:off x="457200" y="6356520"/>
-            <a:ext cx="2133000" cy="364320"/>
+            <a:ext cx="2132640" cy="363960"/>
           </a:xfrm>
           <a:prstGeom prst="rect">
             <a:avLst/>
@@ -2567,7 +2568,7 @@
         <p:spPr>
           <a:xfrm>
             <a:off x="457200" y="274680"/>
-            <a:ext cx="8228880" cy="1142280"/>
+            <a:ext cx="8228520" cy="1141920"/>
           </a:xfrm>
           <a:prstGeom prst="rect">
             <a:avLst/>
@@ -2616,7 +2617,7 @@
         <p:spPr>
           <a:xfrm>
             <a:off x="457200" y="1600200"/>
-            <a:ext cx="8228880" cy="4525200"/>
+            <a:ext cx="8228520" cy="4524840"/>
           </a:xfrm>
           <a:prstGeom prst="rect">
             <a:avLst/>
@@ -2841,7 +2842,7 @@
         <p:spPr>
           <a:xfrm>
             <a:off x="3124080" y="6356520"/>
-            <a:ext cx="2894760" cy="364320"/>
+            <a:ext cx="2894400" cy="363960"/>
           </a:xfrm>
           <a:prstGeom prst="rect">
             <a:avLst/>
@@ -2913,7 +2914,7 @@
         <p:spPr>
           <a:xfrm>
             <a:off x="6553080" y="6356520"/>
-            <a:ext cx="2133000" cy="364320"/>
+            <a:ext cx="2132640" cy="363960"/>
           </a:xfrm>
           <a:prstGeom prst="rect">
             <a:avLst/>
@@ -2956,7 +2957,7 @@
                 <a:tab algn="l" pos="0"/>
               </a:tabLst>
             </a:pPr>
-            <a:fld id="{727E3ABA-CDBA-4A3A-B84A-37E3DA43968B}" type="slidenum">
+            <a:fld id="{43607B53-E015-4A10-A011-4DA320B8711B}" type="slidenum">
               <a:rPr b="0" lang="en-US" sz="1200" spc="-1" strike="noStrike">
                 <a:solidFill>
                   <a:schemeClr val="dk1">
@@ -2989,7 +2990,7 @@
         <p:spPr>
           <a:xfrm>
             <a:off x="457200" y="6356520"/>
-            <a:ext cx="2133000" cy="364320"/>
+            <a:ext cx="2132640" cy="363960"/>
           </a:xfrm>
           <a:prstGeom prst="rect">
             <a:avLst/>
@@ -3082,7 +3083,7 @@
         <p:spPr>
           <a:xfrm>
             <a:off x="3124080" y="6356520"/>
-            <a:ext cx="2894760" cy="364320"/>
+            <a:ext cx="2894400" cy="363960"/>
           </a:xfrm>
           <a:prstGeom prst="rect">
             <a:avLst/>
@@ -3154,7 +3155,7 @@
         <p:spPr>
           <a:xfrm>
             <a:off x="6553080" y="6356520"/>
-            <a:ext cx="2133000" cy="364320"/>
+            <a:ext cx="2132640" cy="363960"/>
           </a:xfrm>
           <a:prstGeom prst="rect">
             <a:avLst/>
@@ -3197,7 +3198,7 @@
                 <a:tab algn="l" pos="0"/>
               </a:tabLst>
             </a:pPr>
-            <a:fld id="{0157A5DB-4B0A-4DF5-B1D9-6D8757033BC8}" type="slidenum">
+            <a:fld id="{0C539F28-6BE6-40D8-A25F-AAA0DFFC0A95}" type="slidenum">
               <a:rPr b="0" lang="en-US" sz="1200" spc="-1" strike="noStrike">
                 <a:solidFill>
                   <a:schemeClr val="dk1">
@@ -3230,7 +3231,7 @@
         <p:spPr>
           <a:xfrm>
             <a:off x="457200" y="6356520"/>
-            <a:ext cx="2133000" cy="364320"/>
+            <a:ext cx="2132640" cy="363960"/>
           </a:xfrm>
           <a:prstGeom prst="rect">
             <a:avLst/>
@@ -3323,7 +3324,7 @@
         <p:spPr>
           <a:xfrm>
             <a:off x="457200" y="274680"/>
-            <a:ext cx="8228880" cy="1142280"/>
+            <a:ext cx="8228520" cy="1141920"/>
           </a:xfrm>
           <a:prstGeom prst="rect">
             <a:avLst/>
@@ -3372,7 +3373,7 @@
         <p:spPr>
           <a:xfrm>
             <a:off x="457200" y="1600200"/>
-            <a:ext cx="4015440" cy="4525200"/>
+            <a:ext cx="4015080" cy="4524840"/>
           </a:xfrm>
           <a:prstGeom prst="rect">
             <a:avLst/>
@@ -3596,8 +3597,8 @@
         </p:nvSpPr>
         <p:spPr>
           <a:xfrm>
-            <a:off x="4674240" y="1600200"/>
-            <a:ext cx="4015440" cy="4525200"/>
+            <a:off x="4673880" y="1600200"/>
+            <a:ext cx="4015080" cy="4524840"/>
           </a:xfrm>
           <a:prstGeom prst="rect">
             <a:avLst/>
@@ -3798,16 +3799,7 @@
                 </a:solidFill>
                 <a:latin typeface="Arial"/>
               </a:rPr>
-              <a:t>Seventh </a:t>
-            </a:r>
-            <a:r>
-              <a:rPr b="0" lang="en-US" sz="1800" spc="-1" strike="noStrike">
-                <a:solidFill>
-                  <a:srgbClr val="000000"/>
-                </a:solidFill>
-                <a:latin typeface="Arial"/>
-              </a:rPr>
-              <a:t>Outline Level</a:t>
+              <a:t>Seventh Outline Level</a:t>
             </a:r>
             <a:endParaRPr b="0" lang="en-US" sz="1800" spc="-1" strike="noStrike">
               <a:solidFill>
@@ -3831,7 +3823,7 @@
         <p:spPr>
           <a:xfrm>
             <a:off x="3124080" y="6356520"/>
-            <a:ext cx="2894760" cy="364320"/>
+            <a:ext cx="2894400" cy="363960"/>
           </a:xfrm>
           <a:prstGeom prst="rect">
             <a:avLst/>
@@ -3903,7 +3895,7 @@
         <p:spPr>
           <a:xfrm>
             <a:off x="6553080" y="6356520"/>
-            <a:ext cx="2133000" cy="364320"/>
+            <a:ext cx="2132640" cy="363960"/>
           </a:xfrm>
           <a:prstGeom prst="rect">
             <a:avLst/>
@@ -3946,7 +3938,7 @@
                 <a:tab algn="l" pos="0"/>
               </a:tabLst>
             </a:pPr>
-            <a:fld id="{D46621B7-153E-4E37-85EB-E44BEF81B4A7}" type="slidenum">
+            <a:fld id="{A17F81F8-72E9-4F5C-A6BC-DF330FCADF67}" type="slidenum">
               <a:rPr b="0" lang="en-US" sz="1200" spc="-1" strike="noStrike">
                 <a:solidFill>
                   <a:schemeClr val="dk1">
@@ -3979,7 +3971,7 @@
         <p:spPr>
           <a:xfrm>
             <a:off x="457200" y="6356520"/>
-            <a:ext cx="2133000" cy="364320"/>
+            <a:ext cx="2132640" cy="363960"/>
           </a:xfrm>
           <a:prstGeom prst="rect">
             <a:avLst/>
@@ -4072,7 +4064,7 @@
         <p:spPr>
           <a:xfrm>
             <a:off x="3124080" y="6356520"/>
-            <a:ext cx="2894760" cy="364320"/>
+            <a:ext cx="2894400" cy="363960"/>
           </a:xfrm>
           <a:prstGeom prst="rect">
             <a:avLst/>
@@ -4144,7 +4136,7 @@
         <p:spPr>
           <a:xfrm>
             <a:off x="6553080" y="6356520"/>
-            <a:ext cx="2133000" cy="364320"/>
+            <a:ext cx="2132640" cy="363960"/>
           </a:xfrm>
           <a:prstGeom prst="rect">
             <a:avLst/>
@@ -4187,7 +4179,7 @@
                 <a:tab algn="l" pos="0"/>
               </a:tabLst>
             </a:pPr>
-            <a:fld id="{90112DFB-04D0-464C-B6E5-8EDF5687F7A4}" type="slidenum">
+            <a:fld id="{58687ECD-CA92-4521-8048-C035942179F6}" type="slidenum">
               <a:rPr b="0" lang="en-US" sz="1200" spc="-1" strike="noStrike">
                 <a:solidFill>
                   <a:schemeClr val="dk1">
@@ -4220,7 +4212,7 @@
         <p:spPr>
           <a:xfrm>
             <a:off x="457200" y="6356520"/>
-            <a:ext cx="2133000" cy="364320"/>
+            <a:ext cx="2132640" cy="363960"/>
           </a:xfrm>
           <a:prstGeom prst="rect">
             <a:avLst/>
@@ -4313,7 +4305,7 @@
         <p:spPr>
           <a:xfrm>
             <a:off x="457200" y="274680"/>
-            <a:ext cx="8228880" cy="1142280"/>
+            <a:ext cx="8228520" cy="1141920"/>
           </a:xfrm>
           <a:prstGeom prst="rect">
             <a:avLst/>
@@ -4362,7 +4354,7 @@
         <p:spPr>
           <a:xfrm>
             <a:off x="3124080" y="6356520"/>
-            <a:ext cx="2894760" cy="364320"/>
+            <a:ext cx="2894400" cy="363960"/>
           </a:xfrm>
           <a:prstGeom prst="rect">
             <a:avLst/>
@@ -4434,7 +4426,7 @@
         <p:spPr>
           <a:xfrm>
             <a:off x="6553080" y="6356520"/>
-            <a:ext cx="2133000" cy="364320"/>
+            <a:ext cx="2132640" cy="363960"/>
           </a:xfrm>
           <a:prstGeom prst="rect">
             <a:avLst/>
@@ -4477,7 +4469,7 @@
                 <a:tab algn="l" pos="0"/>
               </a:tabLst>
             </a:pPr>
-            <a:fld id="{DCDFAF76-A570-43E4-8A23-79298AF03FF7}" type="slidenum">
+            <a:fld id="{0F9948A5-CE2F-4C6E-BE46-B3F6D4525543}" type="slidenum">
               <a:rPr b="0" lang="en-US" sz="1200" spc="-1" strike="noStrike">
                 <a:solidFill>
                   <a:schemeClr val="dk1">
@@ -4510,7 +4502,7 @@
         <p:spPr>
           <a:xfrm>
             <a:off x="457200" y="6356520"/>
-            <a:ext cx="2133000" cy="364320"/>
+            <a:ext cx="2132640" cy="363960"/>
           </a:xfrm>
           <a:prstGeom prst="rect">
             <a:avLst/>
@@ -4603,7 +4595,7 @@
         <p:spPr>
           <a:xfrm>
             <a:off x="3124080" y="6356520"/>
-            <a:ext cx="2894760" cy="364320"/>
+            <a:ext cx="2894400" cy="363960"/>
           </a:xfrm>
           <a:prstGeom prst="rect">
             <a:avLst/>
@@ -4675,7 +4667,7 @@
         <p:spPr>
           <a:xfrm>
             <a:off x="6553080" y="6356520"/>
-            <a:ext cx="2133000" cy="364320"/>
+            <a:ext cx="2132640" cy="363960"/>
           </a:xfrm>
           <a:prstGeom prst="rect">
             <a:avLst/>
@@ -4718,7 +4710,7 @@
                 <a:tab algn="l" pos="0"/>
               </a:tabLst>
             </a:pPr>
-            <a:fld id="{0D83F515-48E6-481A-9833-5F4BB25B28DF}" type="slidenum">
+            <a:fld id="{C80AFAFC-3328-47C8-B2F2-5C2F82816064}" type="slidenum">
               <a:rPr b="0" lang="en-US" sz="1200" spc="-1" strike="noStrike">
                 <a:solidFill>
                   <a:schemeClr val="dk1">
@@ -4751,7 +4743,7 @@
         <p:spPr>
           <a:xfrm>
             <a:off x="457200" y="6356520"/>
-            <a:ext cx="2133000" cy="364320"/>
+            <a:ext cx="2132640" cy="363960"/>
           </a:xfrm>
           <a:prstGeom prst="rect">
             <a:avLst/>
@@ -4837,7 +4829,7 @@
         <p:spPr>
           <a:xfrm>
             <a:off x="457200" y="274680"/>
-            <a:ext cx="8228880" cy="1142280"/>
+            <a:ext cx="8228520" cy="1141920"/>
           </a:xfrm>
           <a:prstGeom prst="rect">
             <a:avLst/>
@@ -4893,7 +4885,7 @@
         <p:spPr>
           <a:xfrm>
             <a:off x="457560" y="1600200"/>
-            <a:ext cx="8228880" cy="4525200"/>
+            <a:ext cx="8228520" cy="4524840"/>
           </a:xfrm>
           <a:prstGeom prst="rect">
             <a:avLst/>
@@ -5028,7 +5020,7 @@
       </p:grpSpPr>
       <p:sp>
         <p:nvSpPr>
-          <p:cNvPr id="66" name="PlaceHolder 1"/>
+          <p:cNvPr id="65" name="PlaceHolder 1"/>
           <p:cNvSpPr>
             <a:spLocks noGrp="1"/>
           </p:cNvSpPr>
@@ -5039,7 +5031,7 @@
         <p:spPr>
           <a:xfrm>
             <a:off x="457200" y="274680"/>
-            <a:ext cx="8228880" cy="1142280"/>
+            <a:ext cx="8228520" cy="1141920"/>
           </a:xfrm>
           <a:prstGeom prst="rect">
             <a:avLst/>
@@ -5083,7 +5075,7 @@
       </p:sp>
       <p:sp>
         <p:nvSpPr>
-          <p:cNvPr id="67" name="PlaceHolder 2"/>
+          <p:cNvPr id="66" name="PlaceHolder 2"/>
           <p:cNvSpPr>
             <a:spLocks noGrp="1"/>
           </p:cNvSpPr>
@@ -5094,7 +5086,7 @@
         <p:spPr>
           <a:xfrm>
             <a:off x="0" y="1143000"/>
-            <a:ext cx="6171840" cy="2514240"/>
+            <a:ext cx="6171480" cy="2513880"/>
           </a:xfrm>
           <a:prstGeom prst="rect">
             <a:avLst/>
@@ -5218,7 +5210,7 @@
                 </a:solidFill>
                 <a:latin typeface="Calibri"/>
               </a:rPr>
-              <a:t>MPC = 5713.5 MWh</a:t>
+              <a:t>Model Predictive control (MPC) = 5713.5 MWh</a:t>
             </a:r>
             <a:endParaRPr b="0" lang="en-US" sz="2800" spc="-1" strike="noStrike">
               <a:solidFill>
@@ -5264,7 +5256,7 @@
       </p:sp>
       <p:pic>
         <p:nvPicPr>
-          <p:cNvPr id="68" name="" descr=""/>
+          <p:cNvPr id="67" name="" descr=""/>
           <p:cNvPicPr/>
           <p:nvPr/>
         </p:nvPicPr>
@@ -5275,7 +5267,7 @@
         <p:spPr>
           <a:xfrm>
             <a:off x="0" y="3657600"/>
-            <a:ext cx="6577920" cy="3200040"/>
+            <a:ext cx="6577560" cy="3199680"/>
           </a:xfrm>
           <a:prstGeom prst="rect">
             <a:avLst/>
@@ -5317,7 +5309,7 @@
       </p:grpSpPr>
       <p:sp>
         <p:nvSpPr>
-          <p:cNvPr id="69" name="PlaceHolder 1"/>
+          <p:cNvPr id="68" name="PlaceHolder 1"/>
           <p:cNvSpPr>
             <a:spLocks noGrp="1"/>
           </p:cNvSpPr>
@@ -5328,7 +5320,7 @@
         <p:spPr>
           <a:xfrm>
             <a:off x="457200" y="274680"/>
-            <a:ext cx="8228880" cy="1142280"/>
+            <a:ext cx="8228520" cy="1141920"/>
           </a:xfrm>
           <a:prstGeom prst="rect">
             <a:avLst/>
@@ -5357,7 +5349,7 @@
       </p:sp>
       <p:pic>
         <p:nvPicPr>
-          <p:cNvPr id="70" name="" descr=""/>
+          <p:cNvPr id="69" name="" descr=""/>
           <p:cNvPicPr/>
           <p:nvPr/>
         </p:nvPicPr>
@@ -5368,7 +5360,7 @@
         <p:spPr>
           <a:xfrm>
             <a:off x="456840" y="1725480"/>
-            <a:ext cx="8228880" cy="4273920"/>
+            <a:ext cx="8228520" cy="4273560"/>
           </a:xfrm>
           <a:prstGeom prst="rect">
             <a:avLst/>
@@ -5410,7 +5402,7 @@
       </p:grpSpPr>
       <p:sp>
         <p:nvSpPr>
-          <p:cNvPr id="71" name="PlaceHolder 1"/>
+          <p:cNvPr id="70" name="PlaceHolder 1"/>
           <p:cNvSpPr>
             <a:spLocks noGrp="1"/>
           </p:cNvSpPr>
@@ -5421,7 +5413,7 @@
         <p:spPr>
           <a:xfrm>
             <a:off x="457200" y="274680"/>
-            <a:ext cx="8228880" cy="1142280"/>
+            <a:ext cx="8228520" cy="1141920"/>
           </a:xfrm>
           <a:prstGeom prst="rect">
             <a:avLst/>
@@ -5465,7 +5457,7 @@
       </p:sp>
       <p:sp>
         <p:nvSpPr>
-          <p:cNvPr id="72" name="PlaceHolder 2"/>
+          <p:cNvPr id="71" name="PlaceHolder 2"/>
           <p:cNvSpPr>
             <a:spLocks noGrp="1"/>
           </p:cNvSpPr>
@@ -5476,7 +5468,7 @@
         <p:spPr>
           <a:xfrm>
             <a:off x="457200" y="1600200"/>
-            <a:ext cx="8228880" cy="4525200"/>
+            <a:ext cx="8228520" cy="4524840"/>
           </a:xfrm>
           <a:prstGeom prst="rect">
             <a:avLst/>
@@ -5611,6 +5603,114 @@
           </a:p>
         </p:txBody>
       </p:sp>
+    </p:spTree>
+  </p:cSld>
+  <mc:AlternateContent>
+    <mc:Choice Requires="p14">
+      <p:transition spd="slow" p14:dur="2000"/>
+    </mc:Choice>
+    <mc:Fallback>
+      <p:transition spd="slow"/>
+    </mc:Fallback>
+  </mc:AlternateContent>
+</p:sld>
+</file>
+
+<file path=ppt/slides/slide13.xml><?xml version="1.0" encoding="utf-8"?>
+<p:sld xmlns:a="http://schemas.openxmlformats.org/drawingml/2006/main" xmlns:p="http://schemas.openxmlformats.org/presentationml/2006/main" xmlns:r="http://schemas.openxmlformats.org/officeDocument/2006/relationships" xmlns:p14="http://schemas.microsoft.com/office/powerpoint/2010/main" xmlns:p15="http://schemas.microsoft.com/office/powerpoint/2012/main" xmlns:mc="http://schemas.openxmlformats.org/markup-compatibility/2006">
+  <p:cSld>
+    <p:spTree>
+      <p:nvGrpSpPr>
+        <p:cNvPr id="1" name=""/>
+        <p:cNvGrpSpPr/>
+        <p:nvPr/>
+      </p:nvGrpSpPr>
+      <p:grpSpPr>
+        <a:xfrm>
+          <a:off x="0" y="0"/>
+          <a:ext cx="0" cy="0"/>
+          <a:chOff x="0" y="0"/>
+          <a:chExt cx="0" cy="0"/>
+        </a:xfrm>
+      </p:grpSpPr>
+      <p:sp>
+        <p:nvSpPr>
+          <p:cNvPr id="72" name="PlaceHolder 1"/>
+          <p:cNvSpPr>
+            <a:spLocks noGrp="1"/>
+          </p:cNvSpPr>
+          <p:nvPr>
+            <p:ph type="title"/>
+          </p:nvPr>
+        </p:nvSpPr>
+        <p:spPr>
+          <a:xfrm>
+            <a:off x="457200" y="274680"/>
+            <a:ext cx="8228520" cy="1141920"/>
+          </a:xfrm>
+          <a:prstGeom prst="rect">
+            <a:avLst/>
+          </a:prstGeom>
+          <a:noFill/>
+          <a:ln w="0">
+            <a:noFill/>
+          </a:ln>
+        </p:spPr>
+        <p:txBody>
+          <a:bodyPr lIns="0" rIns="0" tIns="0" bIns="0" anchor="ctr">
+            <a:noAutofit/>
+          </a:bodyPr>
+          <a:p>
+            <a:pPr indent="0" algn="ctr">
+              <a:lnSpc>
+                <a:spcPct val="100000"/>
+              </a:lnSpc>
+              <a:buNone/>
+              <a:tabLst>
+                <a:tab algn="l" pos="0"/>
+              </a:tabLst>
+            </a:pPr>
+            <a:r>
+              <a:rPr b="0" lang="en-US" sz="4400" spc="-1" strike="noStrike">
+                <a:solidFill>
+                  <a:srgbClr val="000000"/>
+                </a:solidFill>
+                <a:latin typeface="Arial"/>
+              </a:rPr>
+              <a:t>Code &amp; Data on Github</a:t>
+            </a:r>
+            <a:endParaRPr b="0" lang="en-US" sz="4400" spc="-1" strike="noStrike">
+              <a:solidFill>
+                <a:srgbClr val="000000"/>
+              </a:solidFill>
+              <a:latin typeface="Arial"/>
+            </a:endParaRPr>
+          </a:p>
+        </p:txBody>
+      </p:sp>
+      <p:pic>
+        <p:nvPicPr>
+          <p:cNvPr id="73" name="" descr=""/>
+          <p:cNvPicPr/>
+          <p:nvPr/>
+        </p:nvPicPr>
+        <p:blipFill>
+          <a:blip r:embed="rId1"/>
+          <a:stretch/>
+        </p:blipFill>
+        <p:spPr>
+          <a:xfrm>
+            <a:off x="2309040" y="1600200"/>
+            <a:ext cx="4524840" cy="4524840"/>
+          </a:xfrm>
+          <a:prstGeom prst="rect">
+            <a:avLst/>
+          </a:prstGeom>
+          <a:ln w="0">
+            <a:noFill/>
+          </a:ln>
+        </p:spPr>
+      </p:pic>
     </p:spTree>
   </p:cSld>
   <mc:AlternateContent>
@@ -5654,7 +5754,7 @@
         <p:spPr>
           <a:xfrm>
             <a:off x="457200" y="274680"/>
-            <a:ext cx="8228880" cy="1142280"/>
+            <a:ext cx="8228520" cy="1141920"/>
           </a:xfrm>
           <a:prstGeom prst="rect">
             <a:avLst/>
@@ -5709,7 +5809,7 @@
         <p:spPr>
           <a:xfrm>
             <a:off x="457200" y="1600200"/>
-            <a:ext cx="8228880" cy="4525200"/>
+            <a:ext cx="8228520" cy="4524840"/>
           </a:xfrm>
           <a:prstGeom prst="rect">
             <a:avLst/>
@@ -5767,7 +5867,7 @@
                 </a:solidFill>
                 <a:latin typeface="Calibri"/>
               </a:rPr>
-              <a:t>Purpose of study</a:t>
+              <a:t>Nuclear power plants</a:t>
             </a:r>
             <a:endParaRPr b="0" lang="en-US" sz="2800" spc="-1" strike="noStrike">
               <a:solidFill>
@@ -5800,7 +5900,7 @@
                 </a:solidFill>
                 <a:latin typeface="Calibri"/>
               </a:rPr>
-              <a:t>Nuclear-data center interaction</a:t>
+              <a:t>Modern Grid Flexibility</a:t>
             </a:r>
             <a:endParaRPr b="0" lang="en-US" sz="2800" spc="-1" strike="noStrike">
               <a:solidFill>
@@ -5833,7 +5933,106 @@
                 </a:solidFill>
                 <a:latin typeface="Calibri"/>
               </a:rPr>
-              <a:t>Grid flexibility motivation</a:t>
+              <a:t>Data Centers</a:t>
+            </a:r>
+            <a:endParaRPr b="0" lang="en-US" sz="2800" spc="-1" strike="noStrike">
+              <a:solidFill>
+                <a:srgbClr val="000000"/>
+              </a:solidFill>
+              <a:latin typeface="Arial"/>
+            </a:endParaRPr>
+          </a:p>
+          <a:p>
+            <a:pPr lvl="1" marL="743040" indent="-285840" defTabSz="457200">
+              <a:lnSpc>
+                <a:spcPct val="100000"/>
+              </a:lnSpc>
+              <a:spcBef>
+                <a:spcPts val="561"/>
+              </a:spcBef>
+              <a:buClr>
+                <a:srgbClr val="000000"/>
+              </a:buClr>
+              <a:buFont typeface="Arial"/>
+              <a:buChar char="–"/>
+              <a:tabLst>
+                <a:tab algn="l" pos="0"/>
+              </a:tabLst>
+            </a:pPr>
+            <a:r>
+              <a:rPr b="0" lang="en-US" sz="2800" spc="-1" strike="noStrike">
+                <a:solidFill>
+                  <a:schemeClr val="dk1"/>
+                </a:solidFill>
+                <a:latin typeface="Calibri"/>
+              </a:rPr>
+              <a:t>Nuclear-data center interaction</a:t>
+            </a:r>
+            <a:endParaRPr b="0" lang="en-US" sz="2800" spc="-1" strike="noStrike">
+              <a:solidFill>
+                <a:srgbClr val="000000"/>
+              </a:solidFill>
+              <a:latin typeface="Arial"/>
+            </a:endParaRPr>
+          </a:p>
+          <a:p>
+            <a:pPr lvl="1" marL="743040" indent="-285840" defTabSz="457200">
+              <a:lnSpc>
+                <a:spcPct val="100000"/>
+              </a:lnSpc>
+              <a:spcBef>
+                <a:spcPts val="561"/>
+              </a:spcBef>
+              <a:buClr>
+                <a:srgbClr val="000000"/>
+              </a:buClr>
+              <a:buFont typeface="Arial"/>
+              <a:buChar char="–"/>
+              <a:tabLst>
+                <a:tab algn="l" pos="0"/>
+              </a:tabLst>
+            </a:pPr>
+            <a:r>
+              <a:rPr b="0" lang="en-US" sz="2800" spc="-1" strike="noStrike">
+                <a:solidFill>
+                  <a:schemeClr val="dk1"/>
+                </a:solidFill>
+                <a:latin typeface="Calibri"/>
+              </a:rPr>
+              <a:t>Data Center Study</a:t>
+            </a:r>
+            <a:endParaRPr b="0" lang="en-US" sz="2800" spc="-1" strike="noStrike">
+              <a:solidFill>
+                <a:srgbClr val="000000"/>
+              </a:solidFill>
+              <a:latin typeface="Arial"/>
+            </a:endParaRPr>
+          </a:p>
+          <a:p>
+            <a:pPr lvl="1" marL="743040" indent="-285840" defTabSz="457200">
+              <a:lnSpc>
+                <a:spcPct val="100000"/>
+              </a:lnSpc>
+              <a:spcBef>
+                <a:spcPts val="561"/>
+              </a:spcBef>
+              <a:buClr>
+                <a:srgbClr val="000000"/>
+              </a:buClr>
+              <a:buFont typeface="Arial"/>
+              <a:buChar char="–"/>
+              <a:tabLst>
+                <a:tab algn="l" pos="0"/>
+              </a:tabLst>
+            </a:pPr>
+            <a:r>
+              <a:rPr b="0" lang="en-US" sz="2800" spc="-1" strike="noStrike">
+                <a:solidFill>
+                  <a:schemeClr val="dk1"/>
+                </a:solidFill>
+                <a:latin typeface="Calibri"/>
+              </a:rPr>
+              <a:t>Grid flexibility Optimization model</a:t>
             </a:r>
             <a:endParaRPr b="0" lang="en-US" sz="2800" spc="-1" strike="noStrike">
               <a:solidFill>
@@ -5895,7 +6094,7 @@
         <p:spPr>
           <a:xfrm>
             <a:off x="457200" y="274680"/>
-            <a:ext cx="8228880" cy="1142280"/>
+            <a:ext cx="8228520" cy="1141920"/>
           </a:xfrm>
           <a:prstGeom prst="rect">
             <a:avLst/>
@@ -5950,7 +6149,7 @@
         <p:spPr>
           <a:xfrm>
             <a:off x="457200" y="1600200"/>
-            <a:ext cx="8228880" cy="4525200"/>
+            <a:ext cx="8228520" cy="4524840"/>
           </a:xfrm>
           <a:prstGeom prst="rect">
             <a:avLst/>
@@ -6128,7 +6327,7 @@
         <p:spPr>
           <a:xfrm>
             <a:off x="457200" y="274680"/>
-            <a:ext cx="8228880" cy="1142280"/>
+            <a:ext cx="8228520" cy="1141920"/>
           </a:xfrm>
           <a:prstGeom prst="rect">
             <a:avLst/>
@@ -6183,7 +6382,7 @@
         <p:spPr>
           <a:xfrm>
             <a:off x="457200" y="1600200"/>
-            <a:ext cx="8228880" cy="4525200"/>
+            <a:ext cx="8228520" cy="4524840"/>
           </a:xfrm>
           <a:prstGeom prst="rect">
             <a:avLst/>
@@ -6361,7 +6560,7 @@
         <p:spPr>
           <a:xfrm>
             <a:off x="457200" y="274680"/>
-            <a:ext cx="8228880" cy="1142280"/>
+            <a:ext cx="8228520" cy="1141920"/>
           </a:xfrm>
           <a:prstGeom prst="rect">
             <a:avLst/>
@@ -6416,7 +6615,7 @@
         <p:spPr>
           <a:xfrm>
             <a:off x="457200" y="1600200"/>
-            <a:ext cx="8228880" cy="4525200"/>
+            <a:ext cx="8228520" cy="4524840"/>
           </a:xfrm>
           <a:prstGeom prst="rect">
             <a:avLst/>
@@ -6561,7 +6760,7 @@
         <p:spPr>
           <a:xfrm>
             <a:off x="457200" y="274680"/>
-            <a:ext cx="8228880" cy="1142280"/>
+            <a:ext cx="8228520" cy="1141920"/>
           </a:xfrm>
           <a:prstGeom prst="rect">
             <a:avLst/>
@@ -6616,7 +6815,7 @@
         <p:spPr>
           <a:xfrm>
             <a:off x="457200" y="1600200"/>
-            <a:ext cx="8228880" cy="4525200"/>
+            <a:ext cx="8228520" cy="4524840"/>
           </a:xfrm>
           <a:prstGeom prst="rect">
             <a:avLst/>
@@ -6794,7 +6993,7 @@
         <p:spPr>
           <a:xfrm>
             <a:off x="457200" y="274680"/>
-            <a:ext cx="8228880" cy="1142280"/>
+            <a:ext cx="8228520" cy="1141920"/>
           </a:xfrm>
           <a:prstGeom prst="rect">
             <a:avLst/>
@@ -6848,8 +7047,8 @@
         </p:nvSpPr>
         <p:spPr>
           <a:xfrm>
-            <a:off x="457200" y="1600200"/>
-            <a:ext cx="8228880" cy="4525200"/>
+            <a:off x="457200" y="961560"/>
+            <a:ext cx="8228520" cy="4524840"/>
           </a:xfrm>
           <a:prstGeom prst="rect">
             <a:avLst/>
@@ -6940,7 +7139,109 @@
                 </a:solidFill>
                 <a:latin typeface="Calibri"/>
               </a:rPr>
-              <a:t>Virtual energy storage (UPS, cooling)</a:t>
+              <a:t>Virtual energy storage</a:t>
+            </a:r>
+            <a:endParaRPr b="0" lang="en-US" sz="2800" spc="-1" strike="noStrike">
+              <a:solidFill>
+                <a:srgbClr val="000000"/>
+              </a:solidFill>
+              <a:latin typeface="Arial"/>
+            </a:endParaRPr>
+          </a:p>
+          <a:p>
+            <a:pPr lvl="2" marL="1296000" indent="-288000" defTabSz="457200">
+              <a:lnSpc>
+                <a:spcPct val="100000"/>
+              </a:lnSpc>
+              <a:spcBef>
+                <a:spcPts val="850"/>
+              </a:spcBef>
+              <a:buClr>
+                <a:srgbClr val="000000"/>
+              </a:buClr>
+              <a:buSzPct val="45000"/>
+              <a:buFont typeface="Wingdings" charset="2"/>
+              <a:buChar char=""/>
+              <a:tabLst>
+                <a:tab algn="l" pos="0"/>
+              </a:tabLst>
+            </a:pPr>
+            <a:r>
+              <a:rPr b="0" lang="en-US" sz="2800" spc="-1" strike="noStrike">
+                <a:solidFill>
+                  <a:schemeClr val="dk1"/>
+                </a:solidFill>
+                <a:latin typeface="Calibri"/>
+              </a:rPr>
+              <a:t>Thermal </a:t>
+            </a:r>
+            <a:endParaRPr b="0" lang="en-US" sz="2800" spc="-1" strike="noStrike">
+              <a:solidFill>
+                <a:srgbClr val="000000"/>
+              </a:solidFill>
+              <a:latin typeface="Arial"/>
+            </a:endParaRPr>
+          </a:p>
+          <a:p>
+            <a:pPr lvl="2" marL="1296000" indent="-288000" defTabSz="457200">
+              <a:lnSpc>
+                <a:spcPct val="100000"/>
+              </a:lnSpc>
+              <a:spcBef>
+                <a:spcPts val="850"/>
+              </a:spcBef>
+              <a:buClr>
+                <a:srgbClr val="000000"/>
+              </a:buClr>
+              <a:buSzPct val="45000"/>
+              <a:buFont typeface="Wingdings" charset="2"/>
+              <a:buChar char=""/>
+              <a:tabLst>
+                <a:tab algn="l" pos="0"/>
+              </a:tabLst>
+            </a:pPr>
+            <a:r>
+              <a:rPr b="0" lang="en-US" sz="2800" spc="-1" strike="noStrike">
+                <a:solidFill>
+                  <a:schemeClr val="dk1"/>
+                </a:solidFill>
+                <a:latin typeface="Calibri"/>
+              </a:rPr>
+              <a:t>UPS</a:t>
+            </a:r>
+            <a:endParaRPr b="0" lang="en-US" sz="2800" spc="-1" strike="noStrike">
+              <a:solidFill>
+                <a:srgbClr val="000000"/>
+              </a:solidFill>
+              <a:latin typeface="Arial"/>
+            </a:endParaRPr>
+          </a:p>
+          <a:p>
+            <a:pPr lvl="2" marL="1296000" indent="-288000" defTabSz="457200">
+              <a:lnSpc>
+                <a:spcPct val="100000"/>
+              </a:lnSpc>
+              <a:spcBef>
+                <a:spcPts val="850"/>
+              </a:spcBef>
+              <a:buClr>
+                <a:srgbClr val="000000"/>
+              </a:buClr>
+              <a:buSzPct val="45000"/>
+              <a:buFont typeface="Wingdings" charset="2"/>
+              <a:buChar char=""/>
+              <a:tabLst>
+                <a:tab algn="l" pos="0"/>
+              </a:tabLst>
+            </a:pPr>
+            <a:r>
+              <a:rPr b="0" lang="en-US" sz="2800" spc="-1" strike="noStrike">
+                <a:solidFill>
+                  <a:schemeClr val="dk1"/>
+                </a:solidFill>
+                <a:latin typeface="Calibri"/>
+              </a:rPr>
+              <a:t>Generators</a:t>
             </a:r>
             <a:endParaRPr b="0" lang="en-US" sz="2800" spc="-1" strike="noStrike">
               <a:solidFill>
@@ -6974,6 +7275,111 @@
                 <a:latin typeface="Calibri"/>
               </a:rPr>
               <a:t>Delay-tolerant workloads</a:t>
+            </a:r>
+            <a:endParaRPr b="0" lang="en-US" sz="2800" spc="-1" strike="noStrike">
+              <a:solidFill>
+                <a:srgbClr val="000000"/>
+              </a:solidFill>
+              <a:latin typeface="Arial"/>
+            </a:endParaRPr>
+          </a:p>
+          <a:p>
+            <a:pPr lvl="1" marL="743040" indent="0" defTabSz="457200">
+              <a:lnSpc>
+                <a:spcPct val="100000"/>
+              </a:lnSpc>
+              <a:spcBef>
+                <a:spcPts val="561"/>
+              </a:spcBef>
+              <a:buNone/>
+              <a:tabLst>
+                <a:tab algn="l" pos="0"/>
+              </a:tabLst>
+            </a:pPr>
+            <a:r>
+              <a:rPr b="1" lang="en-US" sz="2800" spc="-1" strike="noStrike">
+                <a:solidFill>
+                  <a:schemeClr val="dk1"/>
+                </a:solidFill>
+                <a:latin typeface="Calibri"/>
+              </a:rPr>
+              <a:t>From:</a:t>
+            </a:r>
+            <a:endParaRPr b="0" lang="en-US" sz="2800" spc="-1" strike="noStrike">
+              <a:solidFill>
+                <a:srgbClr val="000000"/>
+              </a:solidFill>
+              <a:latin typeface="Arial"/>
+            </a:endParaRPr>
+          </a:p>
+          <a:p>
+            <a:pPr lvl="1" marL="743040" indent="0" defTabSz="457200">
+              <a:lnSpc>
+                <a:spcPct val="100000"/>
+              </a:lnSpc>
+              <a:spcBef>
+                <a:spcPts val="561"/>
+              </a:spcBef>
+              <a:buNone/>
+              <a:tabLst>
+                <a:tab algn="l" pos="0"/>
+              </a:tabLst>
+            </a:pPr>
+            <a:r>
+              <a:rPr b="0" lang="en-US" sz="2800" spc="-1" strike="noStrike">
+                <a:solidFill>
+                  <a:schemeClr val="dk1"/>
+                </a:solidFill>
+                <a:latin typeface="Calibri"/>
+              </a:rPr>
+              <a:t>“</a:t>
+            </a:r>
+            <a:r>
+              <a:rPr b="0" i="1" lang="en-US" sz="2800" spc="-1" strike="noStrike">
+                <a:solidFill>
+                  <a:schemeClr val="dk1"/>
+                </a:solidFill>
+                <a:latin typeface="Calibri"/>
+              </a:rPr>
+              <a:t>Data Centres as a Source of Flexibility for</a:t>
+            </a:r>
+            <a:endParaRPr b="0" lang="en-US" sz="2800" spc="-1" strike="noStrike">
+              <a:solidFill>
+                <a:srgbClr val="000000"/>
+              </a:solidFill>
+              <a:latin typeface="Arial"/>
+            </a:endParaRPr>
+          </a:p>
+          <a:p>
+            <a:pPr lvl="1" marL="743040" indent="0" defTabSz="457200">
+              <a:lnSpc>
+                <a:spcPct val="100000"/>
+              </a:lnSpc>
+              <a:spcBef>
+                <a:spcPts val="561"/>
+              </a:spcBef>
+              <a:buNone/>
+              <a:tabLst>
+                <a:tab algn="l" pos="0"/>
+              </a:tabLst>
+            </a:pPr>
+            <a:r>
+              <a:rPr b="0" i="1" lang="en-US" sz="2800" spc="-1" strike="noStrike">
+                <a:solidFill>
+                  <a:schemeClr val="dk1"/>
+                </a:solidFill>
+                <a:latin typeface="Calibri"/>
+              </a:rPr>
+              <a:t>Power Systems</a:t>
+            </a:r>
+            <a:r>
+              <a:rPr b="0" lang="en-US" sz="2800" spc="-1" strike="noStrike">
+                <a:solidFill>
+                  <a:schemeClr val="dk1"/>
+                </a:solidFill>
+                <a:latin typeface="Calibri"/>
+              </a:rPr>
+              <a:t>”</a:t>
             </a:r>
             <a:endParaRPr b="0" lang="en-US" sz="2800" spc="-1" strike="noStrike">
               <a:solidFill>
@@ -7027,7 +7433,7 @@
         <p:spPr>
           <a:xfrm>
             <a:off x="457200" y="274680"/>
-            <a:ext cx="8228880" cy="1142280"/>
+            <a:ext cx="8228520" cy="1141920"/>
           </a:xfrm>
           <a:prstGeom prst="rect">
             <a:avLst/>
@@ -7082,7 +7488,7 @@
         <p:spPr>
           <a:xfrm>
             <a:off x="457200" y="1600200"/>
-            <a:ext cx="4800600" cy="2971800"/>
+            <a:ext cx="4800240" cy="2971440"/>
           </a:xfrm>
           <a:prstGeom prst="rect">
             <a:avLst/>
@@ -7239,7 +7645,7 @@
                 </a:solidFill>
                 <a:latin typeface="Calibri"/>
               </a:rPr>
-              <a:t>Objectives: balance</a:t>
+              <a:t>Objective: balance</a:t>
             </a:r>
             <a:endParaRPr b="0" lang="en-US" sz="2800" spc="-1" strike="noStrike">
               <a:solidFill>
@@ -7280,49 +7686,9 @@
           <a:chExt cx="0" cy="0"/>
         </a:xfrm>
       </p:grpSpPr>
-      <p:sp>
-        <p:nvSpPr>
-          <p:cNvPr id="64" name="PlaceHolder 1"/>
-          <p:cNvSpPr>
-            <a:spLocks noGrp="1"/>
-          </p:cNvSpPr>
-          <p:nvPr>
-            <p:ph type="title"/>
-          </p:nvPr>
-        </p:nvSpPr>
-        <p:spPr>
-          <a:xfrm>
-            <a:off x="457200" y="274680"/>
-            <a:ext cx="8228880" cy="1142280"/>
-          </a:xfrm>
-          <a:prstGeom prst="rect">
-            <a:avLst/>
-          </a:prstGeom>
-          <a:noFill/>
-          <a:ln w="0">
-            <a:noFill/>
-          </a:ln>
-        </p:spPr>
-        <p:txBody>
-          <a:bodyPr lIns="0" rIns="0" tIns="0" bIns="0" anchor="ctr">
-            <a:noAutofit/>
-          </a:bodyPr>
-          <a:p>
-            <a:pPr indent="0" algn="ctr">
-              <a:buNone/>
-            </a:pPr>
-            <a:endParaRPr b="0" lang="en-US" sz="4400" spc="-1" strike="noStrike">
-              <a:solidFill>
-                <a:srgbClr val="000000"/>
-              </a:solidFill>
-              <a:latin typeface="Arial"/>
-            </a:endParaRPr>
-          </a:p>
-        </p:txBody>
-      </p:sp>
       <p:pic>
         <p:nvPicPr>
-          <p:cNvPr id="65" name="" descr=""/>
+          <p:cNvPr id="64" name="" descr=""/>
           <p:cNvPicPr/>
           <p:nvPr/>
         </p:nvPicPr>
@@ -7333,7 +7699,7 @@
         <p:spPr>
           <a:xfrm>
             <a:off x="0" y="1187640"/>
-            <a:ext cx="9144000" cy="4448160"/>
+            <a:ext cx="9143640" cy="4447800"/>
           </a:xfrm>
           <a:prstGeom prst="rect">
             <a:avLst/>
